--- a/HotlineCrabs.pptx
+++ b/HotlineCrabs.pptx
@@ -111,6 +111,11 @@
       </a:defRPr>
     </a:lvl9pPr>
   </p:defaultTextStyle>
+  <p:extLst>
+    <p:ext uri="{EFAFB233-063F-42B5-8137-9DF3F51BA10A}">
+      <p15:sldGuideLst xmlns:p15="http://schemas.microsoft.com/office/powerpoint/2012/main"/>
+    </p:ext>
+  </p:extLst>
 </p:presentation>
 </file>
 
@@ -3988,6 +3993,33 @@
           <a:bodyPr/>
           <a:lstStyle/>
           <a:p>
+            <a:pPr marL="0" indent="0">
+              <a:buNone/>
+            </a:pPr>
+            <a:r>
+              <a:rPr lang="ru-RU" dirty="0" smtClean="0"/>
+              <a:t>Автор музыки:</a:t>
+            </a:r>
+            <a:r>
+              <a:rPr lang="en-US" dirty="0" smtClean="0"/>
+              <a:t> </a:t>
+            </a:r>
+            <a:r>
+              <a:rPr lang="ru-RU" dirty="0" smtClean="0"/>
+              <a:t>Евгений «</a:t>
+            </a:r>
+            <a:r>
+              <a:rPr lang="en-US" dirty="0" smtClean="0"/>
+              <a:t>Jack-o-</a:t>
+            </a:r>
+            <a:r>
+              <a:rPr lang="en-US" dirty="0" err="1" smtClean="0"/>
+              <a:t>Nissimo</a:t>
+            </a:r>
+            <a:r>
+              <a:rPr lang="ru-RU" smtClean="0"/>
+              <a:t>» Гурьянов </a:t>
+            </a:r>
             <a:endParaRPr lang="ru-RU" dirty="0"/>
           </a:p>
         </p:txBody>
@@ -4014,7 +4046,7 @@
         </p:blipFill>
         <p:spPr>
           <a:xfrm>
-            <a:off x="2215735" y="2109190"/>
+            <a:off x="2215735" y="2527692"/>
             <a:ext cx="7760530" cy="3784208"/>
           </a:xfrm>
           <a:prstGeom prst="rect">
